--- a/NYC 311 project.pptx
+++ b/NYC 311 project.pptx
@@ -322,7 +322,7 @@
           <a:p>
             <a:fld id="{EF6BB634-91BF-4F4F-832B-68099C4FA3E1}" type="datetimeFigureOut">
               <a:rPr lang="en-US" smtClean="0"/>
-              <a:t>1/10/2022</a:t>
+              <a:t>1/25/2022</a:t>
             </a:fld>
             <a:endParaRPr lang="en-US"/>
           </a:p>
@@ -603,7 +603,7 @@
           <a:p>
             <a:fld id="{EF6BB634-91BF-4F4F-832B-68099C4FA3E1}" type="datetimeFigureOut">
               <a:rPr lang="en-US" smtClean="0"/>
-              <a:t>1/10/2022</a:t>
+              <a:t>1/25/2022</a:t>
             </a:fld>
             <a:endParaRPr lang="en-US"/>
           </a:p>
@@ -795,7 +795,7 @@
           <a:p>
             <a:fld id="{EF6BB634-91BF-4F4F-832B-68099C4FA3E1}" type="datetimeFigureOut">
               <a:rPr lang="en-US" smtClean="0"/>
-              <a:t>1/10/2022</a:t>
+              <a:t>1/25/2022</a:t>
             </a:fld>
             <a:endParaRPr lang="en-US"/>
           </a:p>
@@ -1056,7 +1056,7 @@
           <a:p>
             <a:fld id="{EF6BB634-91BF-4F4F-832B-68099C4FA3E1}" type="datetimeFigureOut">
               <a:rPr lang="en-US" smtClean="0"/>
-              <a:t>1/10/2022</a:t>
+              <a:t>1/25/2022</a:t>
             </a:fld>
             <a:endParaRPr lang="en-US"/>
           </a:p>
@@ -1482,7 +1482,7 @@
           <a:p>
             <a:fld id="{EF6BB634-91BF-4F4F-832B-68099C4FA3E1}" type="datetimeFigureOut">
               <a:rPr lang="en-US" smtClean="0"/>
-              <a:t>1/10/2022</a:t>
+              <a:t>1/25/2022</a:t>
             </a:fld>
             <a:endParaRPr lang="en-US"/>
           </a:p>
@@ -2028,7 +2028,7 @@
           <a:p>
             <a:fld id="{EF6BB634-91BF-4F4F-832B-68099C4FA3E1}" type="datetimeFigureOut">
               <a:rPr lang="en-US" smtClean="0"/>
-              <a:t>1/10/2022</a:t>
+              <a:t>1/25/2022</a:t>
             </a:fld>
             <a:endParaRPr lang="en-US"/>
           </a:p>
@@ -2859,7 +2859,7 @@
           <a:p>
             <a:fld id="{EF6BB634-91BF-4F4F-832B-68099C4FA3E1}" type="datetimeFigureOut">
               <a:rPr lang="en-US" smtClean="0"/>
-              <a:t>1/10/2022</a:t>
+              <a:t>1/25/2022</a:t>
             </a:fld>
             <a:endParaRPr lang="en-US"/>
           </a:p>
@@ -3029,7 +3029,7 @@
           <a:p>
             <a:fld id="{EF6BB634-91BF-4F4F-832B-68099C4FA3E1}" type="datetimeFigureOut">
               <a:rPr lang="en-US" smtClean="0"/>
-              <a:t>1/10/2022</a:t>
+              <a:t>1/25/2022</a:t>
             </a:fld>
             <a:endParaRPr lang="en-US"/>
           </a:p>
@@ -3209,7 +3209,7 @@
           <a:p>
             <a:fld id="{EF6BB634-91BF-4F4F-832B-68099C4FA3E1}" type="datetimeFigureOut">
               <a:rPr lang="en-US" smtClean="0"/>
-              <a:t>1/10/2022</a:t>
+              <a:t>1/25/2022</a:t>
             </a:fld>
             <a:endParaRPr lang="en-US"/>
           </a:p>
@@ -3379,7 +3379,7 @@
           <a:p>
             <a:fld id="{EF6BB634-91BF-4F4F-832B-68099C4FA3E1}" type="datetimeFigureOut">
               <a:rPr lang="en-US" smtClean="0"/>
-              <a:t>1/10/2022</a:t>
+              <a:t>1/25/2022</a:t>
             </a:fld>
             <a:endParaRPr lang="en-US"/>
           </a:p>
@@ -3636,7 +3636,7 @@
           <a:p>
             <a:fld id="{EF6BB634-91BF-4F4F-832B-68099C4FA3E1}" type="datetimeFigureOut">
               <a:rPr lang="en-US" smtClean="0"/>
-              <a:t>1/10/2022</a:t>
+              <a:t>1/25/2022</a:t>
             </a:fld>
             <a:endParaRPr lang="en-US"/>
           </a:p>
@@ -3868,7 +3868,7 @@
           <a:p>
             <a:fld id="{EF6BB634-91BF-4F4F-832B-68099C4FA3E1}" type="datetimeFigureOut">
               <a:rPr lang="en-US" smtClean="0"/>
-              <a:t>1/10/2022</a:t>
+              <a:t>1/25/2022</a:t>
             </a:fld>
             <a:endParaRPr lang="en-US"/>
           </a:p>
@@ -4261,7 +4261,7 @@
           <a:p>
             <a:fld id="{EF6BB634-91BF-4F4F-832B-68099C4FA3E1}" type="datetimeFigureOut">
               <a:rPr lang="en-US" smtClean="0"/>
-              <a:t>1/10/2022</a:t>
+              <a:t>1/25/2022</a:t>
             </a:fld>
             <a:endParaRPr lang="en-US"/>
           </a:p>
@@ -4379,7 +4379,7 @@
           <a:p>
             <a:fld id="{EF6BB634-91BF-4F4F-832B-68099C4FA3E1}" type="datetimeFigureOut">
               <a:rPr lang="en-US" smtClean="0"/>
-              <a:t>1/10/2022</a:t>
+              <a:t>1/25/2022</a:t>
             </a:fld>
             <a:endParaRPr lang="en-US"/>
           </a:p>
@@ -4474,7 +4474,7 @@
           <a:p>
             <a:fld id="{EF6BB634-91BF-4F4F-832B-68099C4FA3E1}" type="datetimeFigureOut">
               <a:rPr lang="en-US" smtClean="0"/>
-              <a:t>1/10/2022</a:t>
+              <a:t>1/25/2022</a:t>
             </a:fld>
             <a:endParaRPr lang="en-US"/>
           </a:p>
@@ -4747,7 +4747,7 @@
           <a:p>
             <a:fld id="{EF6BB634-91BF-4F4F-832B-68099C4FA3E1}" type="datetimeFigureOut">
               <a:rPr lang="en-US" smtClean="0"/>
-              <a:t>1/10/2022</a:t>
+              <a:t>1/25/2022</a:t>
             </a:fld>
             <a:endParaRPr lang="en-US"/>
           </a:p>
@@ -5028,7 +5028,7 @@
           <a:p>
             <a:fld id="{EF6BB634-91BF-4F4F-832B-68099C4FA3E1}" type="datetimeFigureOut">
               <a:rPr lang="en-US" smtClean="0"/>
-              <a:t>1/10/2022</a:t>
+              <a:t>1/25/2022</a:t>
             </a:fld>
             <a:endParaRPr lang="en-US"/>
           </a:p>
@@ -5268,7 +5268,7 @@
           <a:p>
             <a:fld id="{EF6BB634-91BF-4F4F-832B-68099C4FA3E1}" type="datetimeFigureOut">
               <a:rPr lang="en-US" smtClean="0"/>
-              <a:t>1/10/2022</a:t>
+              <a:t>1/25/2022</a:t>
             </a:fld>
             <a:endParaRPr lang="en-US"/>
           </a:p>
@@ -6705,7 +6705,7 @@
           <a:p>
             <a:r>
               <a:rPr lang="en-US" dirty="0"/>
-              <a:t>Target Feature</a:t>
+              <a:t>Forecasted variable</a:t>
             </a:r>
           </a:p>
         </p:txBody>
@@ -6733,13 +6733,13 @@
           <a:p>
             <a:r>
               <a:rPr lang="en-US" dirty="0"/>
-              <a:t>Top 21 complaints: 80% records</a:t>
+              <a:t>Top 21 complaint types: 80% records</a:t>
             </a:r>
           </a:p>
           <a:p>
             <a:r>
               <a:rPr lang="en-US" dirty="0"/>
-              <a:t>Top 42 complaints: 90% records</a:t>
+              <a:t>Top 42 complaint types: 90% records</a:t>
             </a:r>
           </a:p>
         </p:txBody>
@@ -6792,13 +6792,23 @@
         </p:nvSpPr>
         <p:spPr/>
         <p:txBody>
-          <a:bodyPr/>
+          <a:bodyPr>
+            <a:normAutofit/>
+          </a:bodyPr>
           <a:lstStyle/>
           <a:p>
             <a:r>
               <a:rPr lang="en-US" dirty="0"/>
               <a:t>LightGBM - Hyperparameter tuning</a:t>
             </a:r>
+            <a:br>
+              <a:rPr lang="en-US" dirty="0"/>
+            </a:br>
+            <a:r>
+              <a:rPr lang="en-US" sz="3500" i="1" dirty="0"/>
+              <a:t>Best parameters</a:t>
+            </a:r>
+            <a:endParaRPr lang="en-US" dirty="0"/>
           </a:p>
         </p:txBody>
       </p:sp>
@@ -7470,23 +7480,17 @@
           <a:bodyPr/>
           <a:lstStyle/>
           <a:p>
+            <a:pPr lvl="1"/>
             <a:r>
               <a:rPr lang="en-US" dirty="0"/>
-              <a:t>Why Analytics?</a:t>
+              <a:t>Data Analytics can be used to cover the complaints not predicted correctly by the model and the remaining 20% records for further enhancing resource allocation.</a:t>
             </a:r>
           </a:p>
           <a:p>
             <a:pPr lvl="1"/>
             <a:r>
               <a:rPr lang="en-US" dirty="0"/>
-              <a:t>Analytics can be used to cover the complaints not predicted correctly by the model and the remaining 20% records for further enhancing resource allocation.</a:t>
-            </a:r>
-          </a:p>
-          <a:p>
-            <a:pPr lvl="1"/>
-            <a:r>
-              <a:rPr lang="en-US" dirty="0"/>
-              <a:t>Both ML model and analytics based decisions can be used to test which approach works better using A/B testing.</a:t>
+              <a:t>Both ML model and analytics-based decisions can be used to test which approach works better using A/B testing.</a:t>
             </a:r>
           </a:p>
           <a:p>
